--- a/forPreview/title.pptx
+++ b/forPreview/title.pptx
@@ -3778,7 +3778,7 @@
         </p:nvSpPr>
         <p:spPr>
           <a:xfrm>
-            <a:off x="6753241" y="4138827"/>
+            <a:off x="5996789" y="4294721"/>
             <a:ext cx="2936253" cy="1862048"/>
           </a:xfrm>
           <a:prstGeom prst="rect">

--- a/forPreview/title.pptx
+++ b/forPreview/title.pptx
@@ -109,7 +109,7 @@
   <p:extLst>
     <p:ext uri="{EFAFB233-063F-42B5-8137-9DF3F51BA10A}">
       <p15:sldGuideLst xmlns:p15="http://schemas.microsoft.com/office/powerpoint/2012/main">
-        <p15:guide id="1" orient="horz" pos="2160" userDrawn="1">
+        <p15:guide id="1" orient="horz" pos="2205" userDrawn="1">
           <p15:clr>
             <a:srgbClr val="A4A3A4"/>
           </p15:clr>
@@ -274,7 +274,7 @@
           <a:p>
             <a:fld id="{34F88E01-307F-6740-91D0-B5CBCFC383CF}" type="datetimeFigureOut">
               <a:rPr lang="en-NO" smtClean="0"/>
-              <a:t>12/09/2022</a:t>
+              <a:t>14/09/2022</a:t>
             </a:fld>
             <a:endParaRPr lang="en-NO"/>
           </a:p>
@@ -474,7 +474,7 @@
           <a:p>
             <a:fld id="{34F88E01-307F-6740-91D0-B5CBCFC383CF}" type="datetimeFigureOut">
               <a:rPr lang="en-NO" smtClean="0"/>
-              <a:t>12/09/2022</a:t>
+              <a:t>14/09/2022</a:t>
             </a:fld>
             <a:endParaRPr lang="en-NO"/>
           </a:p>
@@ -684,7 +684,7 @@
           <a:p>
             <a:fld id="{34F88E01-307F-6740-91D0-B5CBCFC383CF}" type="datetimeFigureOut">
               <a:rPr lang="en-NO" smtClean="0"/>
-              <a:t>12/09/2022</a:t>
+              <a:t>14/09/2022</a:t>
             </a:fld>
             <a:endParaRPr lang="en-NO"/>
           </a:p>
@@ -884,7 +884,7 @@
           <a:p>
             <a:fld id="{34F88E01-307F-6740-91D0-B5CBCFC383CF}" type="datetimeFigureOut">
               <a:rPr lang="en-NO" smtClean="0"/>
-              <a:t>12/09/2022</a:t>
+              <a:t>14/09/2022</a:t>
             </a:fld>
             <a:endParaRPr lang="en-NO"/>
           </a:p>
@@ -1160,7 +1160,7 @@
           <a:p>
             <a:fld id="{34F88E01-307F-6740-91D0-B5CBCFC383CF}" type="datetimeFigureOut">
               <a:rPr lang="en-NO" smtClean="0"/>
-              <a:t>12/09/2022</a:t>
+              <a:t>14/09/2022</a:t>
             </a:fld>
             <a:endParaRPr lang="en-NO"/>
           </a:p>
@@ -1428,7 +1428,7 @@
           <a:p>
             <a:fld id="{34F88E01-307F-6740-91D0-B5CBCFC383CF}" type="datetimeFigureOut">
               <a:rPr lang="en-NO" smtClean="0"/>
-              <a:t>12/09/2022</a:t>
+              <a:t>14/09/2022</a:t>
             </a:fld>
             <a:endParaRPr lang="en-NO"/>
           </a:p>
@@ -1843,7 +1843,7 @@
           <a:p>
             <a:fld id="{34F88E01-307F-6740-91D0-B5CBCFC383CF}" type="datetimeFigureOut">
               <a:rPr lang="en-NO" smtClean="0"/>
-              <a:t>12/09/2022</a:t>
+              <a:t>14/09/2022</a:t>
             </a:fld>
             <a:endParaRPr lang="en-NO"/>
           </a:p>
@@ -1985,7 +1985,7 @@
           <a:p>
             <a:fld id="{34F88E01-307F-6740-91D0-B5CBCFC383CF}" type="datetimeFigureOut">
               <a:rPr lang="en-NO" smtClean="0"/>
-              <a:t>12/09/2022</a:t>
+              <a:t>14/09/2022</a:t>
             </a:fld>
             <a:endParaRPr lang="en-NO"/>
           </a:p>
@@ -2098,7 +2098,7 @@
           <a:p>
             <a:fld id="{34F88E01-307F-6740-91D0-B5CBCFC383CF}" type="datetimeFigureOut">
               <a:rPr lang="en-NO" smtClean="0"/>
-              <a:t>12/09/2022</a:t>
+              <a:t>14/09/2022</a:t>
             </a:fld>
             <a:endParaRPr lang="en-NO"/>
           </a:p>
@@ -2411,7 +2411,7 @@
           <a:p>
             <a:fld id="{34F88E01-307F-6740-91D0-B5CBCFC383CF}" type="datetimeFigureOut">
               <a:rPr lang="en-NO" smtClean="0"/>
-              <a:t>12/09/2022</a:t>
+              <a:t>14/09/2022</a:t>
             </a:fld>
             <a:endParaRPr lang="en-NO"/>
           </a:p>
@@ -2700,7 +2700,7 @@
           <a:p>
             <a:fld id="{34F88E01-307F-6740-91D0-B5CBCFC383CF}" type="datetimeFigureOut">
               <a:rPr lang="en-NO" smtClean="0"/>
-              <a:t>12/09/2022</a:t>
+              <a:t>14/09/2022</a:t>
             </a:fld>
             <a:endParaRPr lang="en-NO"/>
           </a:p>
@@ -2943,7 +2943,7 @@
           <a:p>
             <a:fld id="{34F88E01-307F-6740-91D0-B5CBCFC383CF}" type="datetimeFigureOut">
               <a:rPr lang="en-NO" smtClean="0"/>
-              <a:t>12/09/2022</a:t>
+              <a:t>14/09/2022</a:t>
             </a:fld>
             <a:endParaRPr lang="en-NO"/>
           </a:p>
@@ -3693,6 +3693,89 @@
           <a:chExt cx="0" cy="0"/>
         </a:xfrm>
       </p:grpSpPr>
+      <p:sp>
+        <p:nvSpPr>
+          <p:cNvPr id="2" name="Rectangle 1">
+            <a:extLst>
+              <a:ext uri="{FF2B5EF4-FFF2-40B4-BE49-F238E27FC236}">
+                <a16:creationId xmlns:a16="http://schemas.microsoft.com/office/drawing/2014/main" id="{F67E0998-5F81-F633-5E34-7470CBA91732}"/>
+              </a:ext>
+            </a:extLst>
+          </p:cNvPr>
+          <p:cNvSpPr/>
+          <p:nvPr/>
+        </p:nvSpPr>
+        <p:spPr>
+          <a:xfrm>
+            <a:off x="3945797" y="-4184955"/>
+            <a:ext cx="5083200" cy="5079999"/>
+          </a:xfrm>
+          <a:prstGeom prst="rect">
+            <a:avLst/>
+          </a:prstGeom>
+          <a:solidFill>
+            <a:schemeClr val="accent1">
+              <a:alpha val="45305"/>
+            </a:schemeClr>
+          </a:solidFill>
+          <a:ln>
+            <a:noFill/>
+          </a:ln>
+        </p:spPr>
+        <p:style>
+          <a:lnRef idx="2">
+            <a:schemeClr val="accent1">
+              <a:shade val="50000"/>
+            </a:schemeClr>
+          </a:lnRef>
+          <a:fillRef idx="1">
+            <a:schemeClr val="accent1"/>
+          </a:fillRef>
+          <a:effectRef idx="0">
+            <a:schemeClr val="accent1"/>
+          </a:effectRef>
+          <a:fontRef idx="minor">
+            <a:schemeClr val="lt1"/>
+          </a:fontRef>
+        </p:style>
+        <p:txBody>
+          <a:bodyPr rtlCol="0" anchor="ctr"/>
+          <a:lstStyle/>
+          <a:p>
+            <a:pPr algn="ctr"/>
+            <a:endParaRPr lang="en-NO"/>
+          </a:p>
+        </p:txBody>
+      </p:sp>
+      <p:pic>
+        <p:nvPicPr>
+          <p:cNvPr id="14" name="Picture 13" descr="A picture containing text, sign&#10;&#10;Description automatically generated">
+            <a:extLst>
+              <a:ext uri="{FF2B5EF4-FFF2-40B4-BE49-F238E27FC236}">
+                <a16:creationId xmlns:a16="http://schemas.microsoft.com/office/drawing/2014/main" id="{B89EA759-82D9-AB9D-EFF1-8E6FFA99A7EA}"/>
+              </a:ext>
+            </a:extLst>
+          </p:cNvPr>
+          <p:cNvPicPr>
+            <a:picLocks noChangeAspect="1"/>
+          </p:cNvPicPr>
+          <p:nvPr/>
+        </p:nvPicPr>
+        <p:blipFill rotWithShape="1">
+          <a:blip r:embed="rId2"/>
+          <a:srcRect l="95678" r="1"/>
+          <a:stretch/>
+        </p:blipFill>
+        <p:spPr>
+          <a:xfrm>
+            <a:off x="2063116" y="953604"/>
+            <a:ext cx="329339" cy="5080000"/>
+          </a:xfrm>
+          <a:prstGeom prst="rect">
+            <a:avLst/>
+          </a:prstGeom>
+        </p:spPr>
+      </p:pic>
       <p:pic>
         <p:nvPicPr>
           <p:cNvPr id="8" name="Picture 7" descr="A picture containing text, sign&#10;&#10;Description automatically generated">
@@ -3715,7 +3798,7 @@
         </p:blipFill>
         <p:spPr>
           <a:xfrm>
-            <a:off x="2375452" y="1018209"/>
+            <a:off x="2375452" y="953604"/>
             <a:ext cx="7620000" cy="5080000"/>
           </a:xfrm>
           <a:prstGeom prst="rect">
@@ -3737,7 +3820,7 @@
         </p:nvSpPr>
         <p:spPr>
           <a:xfrm>
-            <a:off x="5558379" y="3279914"/>
+            <a:off x="5558379" y="3215309"/>
             <a:ext cx="2954655" cy="1862048"/>
           </a:xfrm>
           <a:prstGeom prst="rect">
@@ -3778,7 +3861,7 @@
         </p:nvSpPr>
         <p:spPr>
           <a:xfrm>
-            <a:off x="5996789" y="4294721"/>
+            <a:off x="5996789" y="4230116"/>
             <a:ext cx="2936253" cy="1862048"/>
           </a:xfrm>
           <a:prstGeom prst="rect">
@@ -3819,7 +3902,7 @@
         </p:nvSpPr>
         <p:spPr>
           <a:xfrm>
-            <a:off x="8662411" y="1602957"/>
+            <a:off x="8662411" y="1538352"/>
             <a:ext cx="1152939" cy="682542"/>
           </a:xfrm>
           <a:prstGeom prst="rect">
@@ -3878,7 +3961,7 @@
         </p:blipFill>
         <p:spPr>
           <a:xfrm>
-            <a:off x="9225493" y="1195200"/>
+            <a:off x="9225493" y="1130595"/>
             <a:ext cx="367212" cy="1333142"/>
           </a:xfrm>
           <a:prstGeom prst="rect">
@@ -3900,7 +3983,7 @@
         </p:nvSpPr>
         <p:spPr>
           <a:xfrm>
-            <a:off x="8978746" y="2286947"/>
+            <a:off x="8978746" y="2222342"/>
             <a:ext cx="252000" cy="45719"/>
           </a:xfrm>
           <a:prstGeom prst="rect">
@@ -3935,6 +4018,125 @@
           <a:p>
             <a:pPr algn="ctr"/>
             <a:endParaRPr lang="en-NO"/>
+          </a:p>
+        </p:txBody>
+      </p:sp>
+      <p:pic>
+        <p:nvPicPr>
+          <p:cNvPr id="3" name="Picture 2" descr="A picture containing text, sign&#10;&#10;Description automatically generated">
+            <a:extLst>
+              <a:ext uri="{FF2B5EF4-FFF2-40B4-BE49-F238E27FC236}">
+                <a16:creationId xmlns:a16="http://schemas.microsoft.com/office/drawing/2014/main" id="{35D72224-738A-CF32-4177-234592370D16}"/>
+              </a:ext>
+            </a:extLst>
+          </p:cNvPr>
+          <p:cNvPicPr>
+            <a:picLocks noChangeAspect="1"/>
+          </p:cNvPicPr>
+          <p:nvPr/>
+        </p:nvPicPr>
+        <p:blipFill rotWithShape="1">
+          <a:blip r:embed="rId2"/>
+          <a:srcRect l="95678" r="1"/>
+          <a:stretch/>
+        </p:blipFill>
+        <p:spPr>
+          <a:xfrm>
+            <a:off x="9991135" y="953604"/>
+            <a:ext cx="329339" cy="5080000"/>
+          </a:xfrm>
+          <a:prstGeom prst="rect">
+            <a:avLst/>
+          </a:prstGeom>
+        </p:spPr>
+      </p:pic>
+      <p:pic>
+        <p:nvPicPr>
+          <p:cNvPr id="5" name="Picture 4" descr="A picture containing text, sign&#10;&#10;Description automatically generated">
+            <a:extLst>
+              <a:ext uri="{FF2B5EF4-FFF2-40B4-BE49-F238E27FC236}">
+                <a16:creationId xmlns:a16="http://schemas.microsoft.com/office/drawing/2014/main" id="{5877DF61-834D-F00D-30B2-312FF3F3717C}"/>
+              </a:ext>
+            </a:extLst>
+          </p:cNvPr>
+          <p:cNvPicPr>
+            <a:picLocks noChangeAspect="1"/>
+          </p:cNvPicPr>
+          <p:nvPr/>
+        </p:nvPicPr>
+        <p:blipFill rotWithShape="1">
+          <a:blip r:embed="rId2"/>
+          <a:srcRect l="95678" r="1"/>
+          <a:stretch/>
+        </p:blipFill>
+        <p:spPr>
+          <a:xfrm>
+            <a:off x="10312105" y="953604"/>
+            <a:ext cx="329339" cy="5080000"/>
+          </a:xfrm>
+          <a:prstGeom prst="rect">
+            <a:avLst/>
+          </a:prstGeom>
+        </p:spPr>
+      </p:pic>
+      <p:pic>
+        <p:nvPicPr>
+          <p:cNvPr id="7" name="Picture 6" descr="A picture containing text, sign&#10;&#10;Description automatically generated">
+            <a:extLst>
+              <a:ext uri="{FF2B5EF4-FFF2-40B4-BE49-F238E27FC236}">
+                <a16:creationId xmlns:a16="http://schemas.microsoft.com/office/drawing/2014/main" id="{8E453D5F-6D7C-6512-C75C-416C7F8CE4AB}"/>
+              </a:ext>
+            </a:extLst>
+          </p:cNvPr>
+          <p:cNvPicPr>
+            <a:picLocks noChangeAspect="1"/>
+          </p:cNvPicPr>
+          <p:nvPr/>
+        </p:nvPicPr>
+        <p:blipFill rotWithShape="1">
+          <a:blip r:embed="rId2"/>
+          <a:srcRect l="95678" r="1"/>
+          <a:stretch/>
+        </p:blipFill>
+        <p:spPr>
+          <a:xfrm>
+            <a:off x="10637127" y="953604"/>
+            <a:ext cx="329339" cy="5080000"/>
+          </a:xfrm>
+          <a:prstGeom prst="rect">
+            <a:avLst/>
+          </a:prstGeom>
+        </p:spPr>
+      </p:pic>
+      <p:sp>
+        <p:nvSpPr>
+          <p:cNvPr id="17" name="TextBox 16">
+            <a:extLst>
+              <a:ext uri="{FF2B5EF4-FFF2-40B4-BE49-F238E27FC236}">
+                <a16:creationId xmlns:a16="http://schemas.microsoft.com/office/drawing/2014/main" id="{1F6DBAD9-D815-B06B-9DDD-F94333D4C8AA}"/>
+              </a:ext>
+            </a:extLst>
+          </p:cNvPr>
+          <p:cNvSpPr txBox="1"/>
+          <p:nvPr/>
+        </p:nvSpPr>
+        <p:spPr>
+          <a:xfrm>
+            <a:off x="10684042" y="-1576137"/>
+            <a:ext cx="184731" cy="369332"/>
+          </a:xfrm>
+          <a:prstGeom prst="rect">
+            <a:avLst/>
+          </a:prstGeom>
+          <a:noFill/>
+        </p:spPr>
+        <p:txBody>
+          <a:bodyPr wrap="none" rtlCol="0">
+            <a:spAutoFit/>
+          </a:bodyPr>
+          <a:lstStyle/>
+          <a:p>
+            <a:endParaRPr lang="en-NO" dirty="0"/>
           </a:p>
         </p:txBody>
       </p:sp>
